--- a/presentations/20251021-Perimeter100Years.pptx
+++ b/presentations/20251021-Perimeter100Years.pptx
@@ -217,7 +217,7 @@
           <a:p>
             <a:fld id="{E119C704-B8F9-449B-B828-36D786A1FE73}" type="datetimeFigureOut">
               <a:rPr lang="en-US" smtClean="0"/>
-              <a:t>10/20/2025</a:t>
+              <a:t>10/22/2025</a:t>
             </a:fld>
             <a:endParaRPr lang="en-US"/>
           </a:p>
@@ -631,7 +631,7 @@
           <a:p>
             <a:fld id="{F6B39DA5-C50F-43EC-80B0-E966D7479074}" type="datetime1">
               <a:rPr lang="en-US" smtClean="0"/>
-              <a:t>10/20/2025</a:t>
+              <a:t>10/22/2025</a:t>
             </a:fld>
             <a:endParaRPr lang="en-US"/>
           </a:p>
@@ -1059,7 +1059,7 @@
           <a:p>
             <a:fld id="{197F7525-CDB1-442A-A69A-BD98B438646C}" type="datetime1">
               <a:rPr lang="en-US" smtClean="0"/>
-              <a:t>10/20/2025</a:t>
+              <a:t>10/22/2025</a:t>
             </a:fld>
             <a:endParaRPr lang="en-US"/>
           </a:p>
@@ -1270,7 +1270,7 @@
           <a:p>
             <a:fld id="{F79517B3-32E3-4637-9CA0-9BB2E336AC93}" type="datetime1">
               <a:rPr lang="en-US" smtClean="0"/>
-              <a:t>10/20/2025</a:t>
+              <a:t>10/22/2025</a:t>
             </a:fld>
             <a:endParaRPr lang="en-US"/>
           </a:p>
@@ -1499,7 +1499,7 @@
           <a:p>
             <a:fld id="{1FEBD051-EAAA-4A90-AF5B-4D85FB867FEC}" type="datetime1">
               <a:rPr lang="en-US" smtClean="0"/>
-              <a:t>10/20/2025</a:t>
+              <a:t>10/22/2025</a:t>
             </a:fld>
             <a:endParaRPr lang="en-US" dirty="0"/>
           </a:p>
@@ -1749,7 +1749,7 @@
           <a:p>
             <a:fld id="{CF04F96E-895A-42A3-9313-8DB8618E47A2}" type="datetime1">
               <a:rPr lang="en-US" smtClean="0"/>
-              <a:t>10/20/2025</a:t>
+              <a:t>10/22/2025</a:t>
             </a:fld>
             <a:endParaRPr lang="en-US"/>
           </a:p>
@@ -2017,7 +2017,7 @@
           <a:p>
             <a:fld id="{371E8564-ACF7-4D90-9AB3-1D19E15A1362}" type="datetime1">
               <a:rPr lang="en-US" smtClean="0"/>
-              <a:t>10/20/2025</a:t>
+              <a:t>10/22/2025</a:t>
             </a:fld>
             <a:endParaRPr lang="en-US"/>
           </a:p>
@@ -2432,7 +2432,7 @@
           <a:p>
             <a:fld id="{619E1B31-CEFD-4AE7-8206-EE8C5EB0B3DF}" type="datetime1">
               <a:rPr lang="en-US" smtClean="0"/>
-              <a:t>10/20/2025</a:t>
+              <a:t>10/22/2025</a:t>
             </a:fld>
             <a:endParaRPr lang="en-US"/>
           </a:p>
@@ -2576,7 +2576,7 @@
           <a:p>
             <a:fld id="{DCE704D9-F625-4124-883B-CE94A3CF5BD1}" type="datetime1">
               <a:rPr lang="en-US" smtClean="0"/>
-              <a:t>10/20/2025</a:t>
+              <a:t>10/22/2025</a:t>
             </a:fld>
             <a:endParaRPr lang="en-US"/>
           </a:p>
@@ -2692,7 +2692,7 @@
           <a:p>
             <a:fld id="{DFB13D89-C11C-46C2-8168-E642150F73B4}" type="datetime1">
               <a:rPr lang="en-US" smtClean="0"/>
-              <a:t>10/20/2025</a:t>
+              <a:t>10/22/2025</a:t>
             </a:fld>
             <a:endParaRPr lang="en-US" dirty="0"/>
           </a:p>
@@ -3007,7 +3007,7 @@
           <a:p>
             <a:fld id="{3BC85202-AF91-40C3-B0C0-3935C753F67F}" type="datetime1">
               <a:rPr lang="en-US" smtClean="0"/>
-              <a:t>10/20/2025</a:t>
+              <a:t>10/22/2025</a:t>
             </a:fld>
             <a:endParaRPr lang="en-US"/>
           </a:p>
@@ -3298,7 +3298,7 @@
           <a:p>
             <a:fld id="{4A01C3A1-A93C-4FF9-B5D4-4A0EF4169CC5}" type="datetime1">
               <a:rPr lang="en-US" smtClean="0"/>
-              <a:t>10/20/2025</a:t>
+              <a:t>10/22/2025</a:t>
             </a:fld>
             <a:endParaRPr lang="en-US"/>
           </a:p>
@@ -3542,7 +3542,7 @@
           <a:p>
             <a:fld id="{BB2290B3-A99C-4734-BBF0-717B25B96A33}" type="datetime1">
               <a:rPr lang="en-US" smtClean="0"/>
-              <a:t>10/20/2025</a:t>
+              <a:t>10/22/2025</a:t>
             </a:fld>
             <a:endParaRPr lang="en-US" dirty="0"/>
           </a:p>
@@ -4942,6 +4942,139 @@
   <p:clrMapOvr>
     <a:masterClrMapping/>
   </p:clrMapOvr>
+  <p:timing>
+    <p:tnLst>
+      <p:par>
+        <p:cTn id="1" dur="indefinite" restart="never" nodeType="tmRoot">
+          <p:childTnLst>
+            <p:seq concurrent="1" nextAc="seek">
+              <p:cTn id="2" dur="indefinite" nodeType="mainSeq">
+                <p:childTnLst>
+                  <p:par>
+                    <p:cTn id="3" fill="hold">
+                      <p:stCondLst>
+                        <p:cond delay="indefinite"/>
+                      </p:stCondLst>
+                      <p:childTnLst>
+                        <p:par>
+                          <p:cTn id="4" fill="hold">
+                            <p:stCondLst>
+                              <p:cond delay="0"/>
+                            </p:stCondLst>
+                            <p:childTnLst>
+                              <p:par>
+                                <p:cTn id="5" presetID="1" presetClass="entr" presetSubtype="0" fill="hold" grpId="0" nodeType="clickEffect">
+                                  <p:stCondLst>
+                                    <p:cond delay="0"/>
+                                  </p:stCondLst>
+                                  <p:childTnLst>
+                                    <p:set>
+                                      <p:cBhvr>
+                                        <p:cTn id="6" dur="1" fill="hold">
+                                          <p:stCondLst>
+                                            <p:cond delay="0"/>
+                                          </p:stCondLst>
+                                        </p:cTn>
+                                        <p:tgtEl>
+                                          <p:spTgt spid="14"/>
+                                        </p:tgtEl>
+                                        <p:attrNameLst>
+                                          <p:attrName>style.visibility</p:attrName>
+                                        </p:attrNameLst>
+                                      </p:cBhvr>
+                                      <p:to>
+                                        <p:strVal val="visible"/>
+                                      </p:to>
+                                    </p:set>
+                                  </p:childTnLst>
+                                </p:cTn>
+                              </p:par>
+                              <p:par>
+                                <p:cTn id="7" presetID="1" presetClass="entr" presetSubtype="0" fill="hold" grpId="0" nodeType="withEffect">
+                                  <p:stCondLst>
+                                    <p:cond delay="0"/>
+                                  </p:stCondLst>
+                                  <p:childTnLst>
+                                    <p:set>
+                                      <p:cBhvr>
+                                        <p:cTn id="8" dur="1" fill="hold">
+                                          <p:stCondLst>
+                                            <p:cond delay="0"/>
+                                          </p:stCondLst>
+                                        </p:cTn>
+                                        <p:tgtEl>
+                                          <p:spTgt spid="17"/>
+                                        </p:tgtEl>
+                                        <p:attrNameLst>
+                                          <p:attrName>style.visibility</p:attrName>
+                                        </p:attrNameLst>
+                                      </p:cBhvr>
+                                      <p:to>
+                                        <p:strVal val="visible"/>
+                                      </p:to>
+                                    </p:set>
+                                  </p:childTnLst>
+                                </p:cTn>
+                              </p:par>
+                              <p:par>
+                                <p:cTn id="9" presetID="1" presetClass="entr" presetSubtype="0" fill="hold" nodeType="withEffect">
+                                  <p:stCondLst>
+                                    <p:cond delay="0"/>
+                                  </p:stCondLst>
+                                  <p:childTnLst>
+                                    <p:set>
+                                      <p:cBhvr>
+                                        <p:cTn id="10" dur="1" fill="hold">
+                                          <p:stCondLst>
+                                            <p:cond delay="0"/>
+                                          </p:stCondLst>
+                                        </p:cTn>
+                                        <p:tgtEl>
+                                          <p:spTgt spid="16"/>
+                                        </p:tgtEl>
+                                        <p:attrNameLst>
+                                          <p:attrName>style.visibility</p:attrName>
+                                        </p:attrNameLst>
+                                      </p:cBhvr>
+                                      <p:to>
+                                        <p:strVal val="visible"/>
+                                      </p:to>
+                                    </p:set>
+                                  </p:childTnLst>
+                                </p:cTn>
+                              </p:par>
+                            </p:childTnLst>
+                          </p:cTn>
+                        </p:par>
+                      </p:childTnLst>
+                    </p:cTn>
+                  </p:par>
+                </p:childTnLst>
+              </p:cTn>
+              <p:prevCondLst>
+                <p:cond evt="onPrev" delay="0">
+                  <p:tgtEl>
+                    <p:sldTgt/>
+                  </p:tgtEl>
+                </p:cond>
+              </p:prevCondLst>
+              <p:nextCondLst>
+                <p:cond evt="onNext" delay="0">
+                  <p:tgtEl>
+                    <p:sldTgt/>
+                  </p:tgtEl>
+                </p:cond>
+              </p:nextCondLst>
+            </p:seq>
+          </p:childTnLst>
+        </p:cTn>
+      </p:par>
+    </p:tnLst>
+    <p:bldLst>
+      <p:bldP spid="14" grpId="0"/>
+      <p:bldP spid="17" grpId="0"/>
+    </p:bldLst>
+  </p:timing>
 </p:sld>
 </file>
 
@@ -22460,6 +22593,84 @@
   <p:clrMapOvr>
     <a:masterClrMapping/>
   </p:clrMapOvr>
+  <p:timing>
+    <p:tnLst>
+      <p:par>
+        <p:cTn id="1" dur="indefinite" restart="never" nodeType="tmRoot">
+          <p:childTnLst>
+            <p:seq concurrent="1" nextAc="seek">
+              <p:cTn id="2" dur="indefinite" nodeType="mainSeq">
+                <p:childTnLst>
+                  <p:par>
+                    <p:cTn id="3" fill="hold">
+                      <p:stCondLst>
+                        <p:cond delay="indefinite"/>
+                      </p:stCondLst>
+                      <p:childTnLst>
+                        <p:par>
+                          <p:cTn id="4" fill="hold">
+                            <p:stCondLst>
+                              <p:cond delay="0"/>
+                            </p:stCondLst>
+                            <p:childTnLst>
+                              <p:par>
+                                <p:cTn id="5" presetID="1" presetClass="entr" presetSubtype="0" fill="hold" grpId="0" nodeType="clickEffect">
+                                  <p:stCondLst>
+                                    <p:cond delay="0"/>
+                                  </p:stCondLst>
+                                  <p:childTnLst>
+                                    <p:set>
+                                      <p:cBhvr>
+                                        <p:cTn id="6" dur="1" fill="hold">
+                                          <p:stCondLst>
+                                            <p:cond delay="0"/>
+                                          </p:stCondLst>
+                                        </p:cTn>
+                                        <p:tgtEl>
+                                          <p:spTgt spid="7"/>
+                                        </p:tgtEl>
+                                        <p:attrNameLst>
+                                          <p:attrName>style.visibility</p:attrName>
+                                        </p:attrNameLst>
+                                      </p:cBhvr>
+                                      <p:to>
+                                        <p:strVal val="visible"/>
+                                      </p:to>
+                                    </p:set>
+                                  </p:childTnLst>
+                                </p:cTn>
+                              </p:par>
+                            </p:childTnLst>
+                          </p:cTn>
+                        </p:par>
+                      </p:childTnLst>
+                    </p:cTn>
+                  </p:par>
+                </p:childTnLst>
+              </p:cTn>
+              <p:prevCondLst>
+                <p:cond evt="onPrev" delay="0">
+                  <p:tgtEl>
+                    <p:sldTgt/>
+                  </p:tgtEl>
+                </p:cond>
+              </p:prevCondLst>
+              <p:nextCondLst>
+                <p:cond evt="onNext" delay="0">
+                  <p:tgtEl>
+                    <p:sldTgt/>
+                  </p:tgtEl>
+                </p:cond>
+              </p:nextCondLst>
+            </p:seq>
+          </p:childTnLst>
+        </p:cTn>
+      </p:par>
+    </p:tnLst>
+    <p:bldLst>
+      <p:bldP spid="7" grpId="0"/>
+    </p:bldLst>
+  </p:timing>
 </p:sld>
 </file>
 
@@ -23374,6 +23585,166 @@
   <p:clrMapOvr>
     <a:masterClrMapping/>
   </p:clrMapOvr>
+  <p:timing>
+    <p:tnLst>
+      <p:par>
+        <p:cTn id="1" dur="indefinite" restart="never" nodeType="tmRoot">
+          <p:childTnLst>
+            <p:seq concurrent="1" nextAc="seek">
+              <p:cTn id="2" dur="indefinite" nodeType="mainSeq">
+                <p:childTnLst>
+                  <p:par>
+                    <p:cTn id="3" fill="hold">
+                      <p:stCondLst>
+                        <p:cond delay="indefinite"/>
+                      </p:stCondLst>
+                      <p:childTnLst>
+                        <p:par>
+                          <p:cTn id="4" fill="hold">
+                            <p:stCondLst>
+                              <p:cond delay="0"/>
+                            </p:stCondLst>
+                            <p:childTnLst>
+                              <p:par>
+                                <p:cTn id="5" presetID="1" presetClass="entr" presetSubtype="0" fill="hold" grpId="0" nodeType="clickEffect">
+                                  <p:stCondLst>
+                                    <p:cond delay="0"/>
+                                  </p:stCondLst>
+                                  <p:childTnLst>
+                                    <p:set>
+                                      <p:cBhvr>
+                                        <p:cTn id="6" dur="1" fill="hold">
+                                          <p:stCondLst>
+                                            <p:cond delay="0"/>
+                                          </p:stCondLst>
+                                        </p:cTn>
+                                        <p:tgtEl>
+                                          <p:spTgt spid="14"/>
+                                        </p:tgtEl>
+                                        <p:attrNameLst>
+                                          <p:attrName>style.visibility</p:attrName>
+                                        </p:attrNameLst>
+                                      </p:cBhvr>
+                                      <p:to>
+                                        <p:strVal val="visible"/>
+                                      </p:to>
+                                    </p:set>
+                                  </p:childTnLst>
+                                </p:cTn>
+                              </p:par>
+                              <p:par>
+                                <p:cTn id="7" presetID="1" presetClass="entr" presetSubtype="0" fill="hold" grpId="0" nodeType="withEffect">
+                                  <p:stCondLst>
+                                    <p:cond delay="0"/>
+                                  </p:stCondLst>
+                                  <p:childTnLst>
+                                    <p:set>
+                                      <p:cBhvr>
+                                        <p:cTn id="8" dur="1" fill="hold">
+                                          <p:stCondLst>
+                                            <p:cond delay="0"/>
+                                          </p:stCondLst>
+                                        </p:cTn>
+                                        <p:tgtEl>
+                                          <p:spTgt spid="20"/>
+                                        </p:tgtEl>
+                                        <p:attrNameLst>
+                                          <p:attrName>style.visibility</p:attrName>
+                                        </p:attrNameLst>
+                                      </p:cBhvr>
+                                      <p:to>
+                                        <p:strVal val="visible"/>
+                                      </p:to>
+                                    </p:set>
+                                  </p:childTnLst>
+                                </p:cTn>
+                              </p:par>
+                              <p:par>
+                                <p:cTn id="9" presetID="1" presetClass="entr" presetSubtype="0" fill="hold" nodeType="withEffect">
+                                  <p:stCondLst>
+                                    <p:cond delay="0"/>
+                                  </p:stCondLst>
+                                  <p:childTnLst>
+                                    <p:set>
+                                      <p:cBhvr>
+                                        <p:cTn id="10" dur="1" fill="hold">
+                                          <p:stCondLst>
+                                            <p:cond delay="0"/>
+                                          </p:stCondLst>
+                                        </p:cTn>
+                                        <p:tgtEl>
+                                          <p:spTgt spid="21"/>
+                                        </p:tgtEl>
+                                        <p:attrNameLst>
+                                          <p:attrName>style.visibility</p:attrName>
+                                        </p:attrNameLst>
+                                      </p:cBhvr>
+                                      <p:to>
+                                        <p:strVal val="visible"/>
+                                      </p:to>
+                                    </p:set>
+                                  </p:childTnLst>
+                                </p:cTn>
+                              </p:par>
+                              <p:par>
+                                <p:cTn id="11" presetID="1" presetClass="entr" presetSubtype="0" fill="hold" nodeType="withEffect">
+                                  <p:stCondLst>
+                                    <p:cond delay="0"/>
+                                  </p:stCondLst>
+                                  <p:childTnLst>
+                                    <p:set>
+                                      <p:cBhvr>
+                                        <p:cTn id="12" dur="1" fill="hold">
+                                          <p:stCondLst>
+                                            <p:cond delay="0"/>
+                                          </p:stCondLst>
+                                        </p:cTn>
+                                        <p:tgtEl>
+                                          <p:spTgt spid="15"/>
+                                        </p:tgtEl>
+                                        <p:attrNameLst>
+                                          <p:attrName>style.visibility</p:attrName>
+                                        </p:attrNameLst>
+                                      </p:cBhvr>
+                                      <p:to>
+                                        <p:strVal val="visible"/>
+                                      </p:to>
+                                    </p:set>
+                                  </p:childTnLst>
+                                </p:cTn>
+                              </p:par>
+                            </p:childTnLst>
+                          </p:cTn>
+                        </p:par>
+                      </p:childTnLst>
+                    </p:cTn>
+                  </p:par>
+                </p:childTnLst>
+              </p:cTn>
+              <p:prevCondLst>
+                <p:cond evt="onPrev" delay="0">
+                  <p:tgtEl>
+                    <p:sldTgt/>
+                  </p:tgtEl>
+                </p:cond>
+              </p:prevCondLst>
+              <p:nextCondLst>
+                <p:cond evt="onNext" delay="0">
+                  <p:tgtEl>
+                    <p:sldTgt/>
+                  </p:tgtEl>
+                </p:cond>
+              </p:nextCondLst>
+            </p:seq>
+          </p:childTnLst>
+        </p:cTn>
+      </p:par>
+    </p:tnLst>
+    <p:bldLst>
+      <p:bldP spid="14" grpId="0"/>
+      <p:bldP spid="20" grpId="0"/>
+    </p:bldLst>
+  </p:timing>
 </p:sld>
 </file>
 
